--- a/GamePresentation.pptx
+++ b/GamePresentation.pptx
@@ -7768,7 +7768,7 @@
           <a:p>
             <a:r>
               <a:rPr lang="en-US" dirty="0" smtClean="0"/>
-              <a:t>Roguelike Games</a:t>
+              <a:t>Game Background</a:t>
             </a:r>
             <a:endParaRPr lang="en-US" dirty="0"/>
           </a:p>
@@ -7791,28 +7791,59 @@
           <a:p>
             <a:r>
               <a:rPr lang="en-US" dirty="0" smtClean="0"/>
-              <a:t>Generally, fantastical, dungeon crawling, role player games</a:t>
+              <a:t>Not as much </a:t>
+            </a:r>
+            <a:r>
+              <a:rPr lang="en-US" smtClean="0"/>
+              <a:t>dungeon crawling</a:t>
             </a:r>
           </a:p>
           <a:p>
             <a:r>
               <a:rPr lang="en-US" dirty="0" smtClean="0"/>
-              <a:t>Hero’s Gambit specific</a:t>
-            </a:r>
-          </a:p>
-          <a:p>
-            <a:pPr lvl="1"/>
+              <a:t>Your nation </a:t>
+            </a:r>
+            <a:r>
+              <a:rPr lang="en-US" dirty="0"/>
+              <a:t>is at </a:t>
+            </a:r>
             <a:r>
               <a:rPr lang="en-US" dirty="0" smtClean="0"/>
-              <a:t>Not quite dungeon crawling, more level based</a:t>
-            </a:r>
-          </a:p>
-          <a:p>
-            <a:pPr lvl="1"/>
+              <a:t>war </a:t>
+            </a:r>
+          </a:p>
+          <a:p>
             <a:r>
               <a:rPr lang="en-US" dirty="0" smtClean="0"/>
-              <a:t>Basic storyline</a:t>
-            </a:r>
+              <a:t>King </a:t>
+            </a:r>
+            <a:r>
+              <a:rPr lang="en-US" dirty="0"/>
+              <a:t>has sent the </a:t>
+            </a:r>
+            <a:r>
+              <a:rPr lang="en-US" dirty="0" smtClean="0"/>
+              <a:t>hero (you) </a:t>
+            </a:r>
+            <a:r>
+              <a:rPr lang="en-US" dirty="0"/>
+              <a:t>to preemptively strike the opposing </a:t>
+            </a:r>
+            <a:r>
+              <a:rPr lang="en-US" dirty="0" smtClean="0"/>
+              <a:t>nation’s army </a:t>
+            </a:r>
+          </a:p>
+          <a:p>
+            <a:r>
+              <a:rPr lang="en-US" dirty="0" smtClean="0"/>
+              <a:t>You </a:t>
+            </a:r>
+            <a:r>
+              <a:rPr lang="en-US" dirty="0"/>
+              <a:t>must kill as many enemies as possible before his own army's country arrives.</a:t>
+            </a:r>
+            <a:endParaRPr lang="en-US" dirty="0" smtClean="0"/>
           </a:p>
         </p:txBody>
       </p:sp>
@@ -8194,10 +8225,73 @@
             <a:endParaRPr lang="en-US" dirty="0" smtClean="0"/>
           </a:p>
           <a:p>
+            <a:endParaRPr lang="en-US" dirty="0" smtClean="0"/>
+          </a:p>
+          <a:p>
             <a:endParaRPr lang="en-US" dirty="0"/>
           </a:p>
         </p:txBody>
       </p:sp>
+      <p:pic>
+        <p:nvPicPr>
+          <p:cNvPr id="4" name="Picture 3"/>
+          <p:cNvPicPr>
+            <a:picLocks noChangeAspect="1"/>
+          </p:cNvPicPr>
+          <p:nvPr/>
+        </p:nvPicPr>
+        <p:blipFill>
+          <a:blip r:embed="rId2">
+            <a:extLst>
+              <a:ext uri="{28A0092B-C50C-407E-A947-70E740481C1C}">
+                <a14:useLocalDpi xmlns:a14="http://schemas.microsoft.com/office/drawing/2010/main" val="0"/>
+              </a:ext>
+            </a:extLst>
+          </a:blip>
+          <a:stretch>
+            <a:fillRect/>
+          </a:stretch>
+        </p:blipFill>
+        <p:spPr>
+          <a:xfrm>
+            <a:off x="475927" y="4451480"/>
+            <a:ext cx="6979018" cy="2224083"/>
+          </a:xfrm>
+          <a:prstGeom prst="rect">
+            <a:avLst/>
+          </a:prstGeom>
+        </p:spPr>
+      </p:pic>
+      <p:pic>
+        <p:nvPicPr>
+          <p:cNvPr id="5" name="Picture 4"/>
+          <p:cNvPicPr>
+            <a:picLocks noChangeAspect="1"/>
+          </p:cNvPicPr>
+          <p:nvPr/>
+        </p:nvPicPr>
+        <p:blipFill>
+          <a:blip r:embed="rId3">
+            <a:extLst>
+              <a:ext uri="{28A0092B-C50C-407E-A947-70E740481C1C}">
+                <a14:useLocalDpi xmlns:a14="http://schemas.microsoft.com/office/drawing/2010/main" val="0"/>
+              </a:ext>
+            </a:extLst>
+          </a:blip>
+          <a:stretch>
+            <a:fillRect/>
+          </a:stretch>
+        </p:blipFill>
+        <p:spPr>
+          <a:xfrm>
+            <a:off x="7961667" y="3982391"/>
+            <a:ext cx="3962400" cy="2750556"/>
+          </a:xfrm>
+          <a:prstGeom prst="rect">
+            <a:avLst/>
+          </a:prstGeom>
+        </p:spPr>
+      </p:pic>
     </p:spTree>
     <p:extLst>
       <p:ext uri="{BB962C8B-B14F-4D97-AF65-F5344CB8AC3E}">
